--- a/src/hector_control/banner_semic2022.pptx
+++ b/src/hector_control/banner_semic2022.pptx
@@ -2993,7 +2993,7 @@
         </p:nvSpPr>
         <p:spPr bwMode="auto">
           <a:xfrm>
-            <a:off x="1316297" y="7389141"/>
+            <a:off x="1316297" y="8189241"/>
             <a:ext cx="29957583" cy="1748155"/>
           </a:xfrm>
           <a:prstGeom prst="rect">
@@ -3052,14 +3052,6 @@
               </a:rPr>
               <a:t>Selmo Eduardo Rodrigues Junior</a:t>
             </a:r>
-            <a:r>
-              <a:rPr lang="pt-BR" sz="4400" b="1" dirty="0" smtClean="0">
-                <a:latin typeface="Calibri" pitchFamily="34" charset="0"/>
-                <a:ea typeface="MS PGothic"/>
-                <a:cs typeface="Calibri" pitchFamily="34" charset="0"/>
-              </a:rPr>
-              <a:t>;</a:t>
-            </a:r>
             <a:endParaRPr lang="pt-BR" sz="4400" b="1" baseline="30000" dirty="0" smtClean="0">
               <a:latin typeface="Calibri" pitchFamily="34" charset="0"/>
               <a:ea typeface="MS PGothic"/>
@@ -3122,11 +3114,11 @@
             </a:r>
             <a:r>
               <a:rPr lang="pt-BR" sz="3200" dirty="0"/>
-              <a:t>Professor do Laboratório de </a:t>
+              <a:t>Professor</a:t>
             </a:r>
             <a:r>
               <a:rPr lang="pt-PT" altLang="pt-BR" sz="3200" dirty="0"/>
-              <a:t>Instrumentação</a:t>
+              <a:t> Dr.</a:t>
             </a:r>
             <a:r>
               <a:rPr lang="pt-BR" sz="3200" dirty="0"/>
@@ -3167,7 +3159,7 @@
         <p:spPr bwMode="auto">
           <a:xfrm>
             <a:off x="1309370" y="5772214"/>
-            <a:ext cx="29595763" cy="1198880"/>
+            <a:ext cx="29595763" cy="2306955"/>
           </a:xfrm>
           <a:prstGeom prst="rect">
             <a:avLst/>
@@ -3195,7 +3187,7 @@
                 <a:ea typeface="MS PGothic"/>
                 <a:cs typeface="Calibri" pitchFamily="34" charset="0"/>
               </a:rPr>
-              <a:t>Desenvolvimento de Sistema de Inferência Fuzzy Mandanni para pl</a:t>
+              <a:t>Robótica Móvel Aérea: Sistema Híbrido Fuzzy para Planejamento de Rota sob Percepção Local</a:t>
             </a:r>
             <a:endParaRPr lang="pt-PT" altLang="en-US" sz="7200" b="1" dirty="0" smtClean="0">
               <a:latin typeface="Calibri" pitchFamily="34" charset="0"/>
@@ -3442,7 +3434,7 @@
         </p:blipFill>
         <p:spPr>
           <a:xfrm>
-            <a:off x="972000" y="27805493"/>
+            <a:off x="972000" y="20532203"/>
             <a:ext cx="9730740" cy="1341120"/>
           </a:xfrm>
           <a:prstGeom prst="rect">
@@ -3501,7 +3493,7 @@
         </p:nvSpPr>
         <p:spPr bwMode="auto">
           <a:xfrm>
-            <a:off x="1316297" y="29798194"/>
+            <a:off x="1316297" y="22524904"/>
             <a:ext cx="9046600" cy="4704361"/>
           </a:xfrm>
           <a:prstGeom prst="rect">
@@ -3993,8 +3985,8 @@
         </p:nvSpPr>
         <p:spPr bwMode="auto">
           <a:xfrm>
-            <a:off x="1318201" y="14554311"/>
-            <a:ext cx="8942008" cy="12568125"/>
+            <a:off x="1318201" y="14742056"/>
+            <a:ext cx="8942008" cy="2178685"/>
           </a:xfrm>
           <a:prstGeom prst="rect">
             <a:avLst/>
@@ -4010,64 +4002,6 @@
             <a:spAutoFit/>
           </a:bodyPr>
           <a:lstStyle/>
-          <a:p>
-            <a:pPr algn="just" defTabSz="1021080">
-              <a:lnSpc>
-                <a:spcPct val="150000"/>
-              </a:lnSpc>
-            </a:pPr>
-            <a:r>
-              <a:rPr lang="pt-BR" sz="3000" dirty="0">
-                <a:latin typeface="Calibri" pitchFamily="34" charset="0"/>
-              </a:rPr>
-              <a:t>O pôster deve ser elaborado no tamanho 120 cm de altura x 90 cm de largura, em duas ou três colunas, devendo conter, obrigatoriamente: a logomarca do evento, o título do artigo, o nome dos autores seguidos de identificação, introdução, material e métodos, resultados e discussão, conclusão, agradecimentos e referências. </a:t>
-            </a:r>
-            <a:r>
-              <a:rPr lang="pt-PT" sz="3000" dirty="0">
-                <a:solidFill>
-                  <a:srgbClr val="000000"/>
-                </a:solidFill>
-                <a:latin typeface="Calibri" pitchFamily="34" charset="0"/>
-              </a:rPr>
-              <a:t>O título deve ser bem destacado, permitindo que o visitante tenha facilidade em identificar o trabalho. Utilize fonte Calibri, tamanho de fonte 72 como mínimo para título, </a:t>
-            </a:r>
-            <a:r>
-              <a:rPr lang="pt-BR" sz="3000" dirty="0">
-                <a:latin typeface="Calibri" pitchFamily="34" charset="0"/>
-              </a:rPr>
-              <a:t>36 para os cabeçalhos</a:t>
-            </a:r>
-            <a:r>
-              <a:rPr lang="pt-PT" sz="3000" dirty="0">
-                <a:solidFill>
-                  <a:srgbClr val="000000"/>
-                </a:solidFill>
-                <a:latin typeface="Calibri" pitchFamily="34" charset="0"/>
-              </a:rPr>
-              <a:t> e fonte 30 como mínimo para conteúdo. </a:t>
-            </a:r>
-            <a:r>
-              <a:rPr lang="pt-BR" sz="3000" dirty="0">
-                <a:latin typeface="Calibri" pitchFamily="34" charset="0"/>
-              </a:rPr>
-              <a:t>O pôster deve ser confeccionado em material adequado (lona, PVC, </a:t>
-            </a:r>
-            <a:r>
-              <a:rPr lang="pt-BR" sz="3000" dirty="0" err="1">
-                <a:latin typeface="Calibri" pitchFamily="34" charset="0"/>
-              </a:rPr>
-              <a:t>glosspaper</a:t>
-            </a:r>
-            <a:r>
-              <a:rPr lang="pt-BR" sz="3000" dirty="0">
-                <a:latin typeface="Calibri" pitchFamily="34" charset="0"/>
-              </a:rPr>
-              <a:t> ou similar) com corda para ser afixado. O resumo deve ser elaborado conforme ABNT NBR 6028, seguido das palavras-chaves. </a:t>
-            </a:r>
-            <a:endParaRPr lang="pt-BR" sz="3000" dirty="0">
-              <a:latin typeface="Calibri" pitchFamily="34" charset="0"/>
-            </a:endParaRPr>
-          </a:p>
           <a:p>
             <a:pPr algn="just" defTabSz="1021080">
               <a:lnSpc>
@@ -4745,7 +4679,7 @@
         </p:nvSpPr>
         <p:spPr bwMode="auto">
           <a:xfrm>
-            <a:off x="1456832" y="28147839"/>
+            <a:off x="1456832" y="20874549"/>
             <a:ext cx="3378200" cy="641350"/>
           </a:xfrm>
           <a:prstGeom prst="rect">
